--- a/cs semina/02SNN_CogSciIN-Neural-1.pptx
+++ b/cs semina/02SNN_CogSciIN-Neural-1.pptx
@@ -7915,6 +7915,37 @@
             <a:endParaRPr lang="en-US" altLang="ko-KR" sz="2400" dirty="0"/>
           </a:p>
           <a:p>
+            <a:r>
+              <a:rPr lang="en-US" altLang="ko-KR" dirty="0"/>
+              <a:t>Synapse Symposium </a:t>
+            </a:r>
+            <a:r>
+              <a:rPr lang="en-US" altLang="ko-KR" dirty="0" err="1"/>
+              <a:t>Youtube</a:t>
+            </a:r>
+            <a:r>
+              <a:rPr lang="en-US" altLang="ko-KR" dirty="0"/>
+              <a:t> - </a:t>
+            </a:r>
+            <a:r>
+              <a:rPr lang="en-US" altLang="ko-KR" dirty="0" err="1"/>
+              <a:t>CogSci:IN</a:t>
+            </a:r>
+            <a:br>
+              <a:rPr lang="en-US" altLang="ko-KR" dirty="0"/>
+            </a:br>
+            <a:r>
+              <a:rPr lang="en-US" altLang="ko-KR" dirty="0">
+                <a:hlinkClick r:id="rId4"/>
+              </a:rPr>
+              <a:t>https://www.youtube.com/watch?v=2X54S_760x0</a:t>
+            </a:r>
+            <a:endParaRPr lang="en-US" altLang="ko-KR" dirty="0"/>
+          </a:p>
+          <a:p>
+            <a:pPr marL="0" indent="0">
+              <a:buNone/>
+            </a:pPr>
             <a:endParaRPr lang="ko-KR" altLang="en-US" dirty="0"/>
           </a:p>
         </p:txBody>
@@ -8423,13 +8454,13 @@
   <p:clrMapOvr>
     <a:masterClrMapping/>
   </p:clrMapOvr>
-  <mc:AlternateContent xmlns:mc="http://schemas.openxmlformats.org/markup-compatibility/2006">
-    <mc:Choice xmlns:p159="http://schemas.microsoft.com/office/powerpoint/2015/09/main" Requires="p159">
+  <mc:AlternateContent xmlns:mc="http://schemas.openxmlformats.org/markup-compatibility/2006" xmlns:p159="http://schemas.microsoft.com/office/powerpoint/2015/09/main">
+    <mc:Choice Requires="p159">
       <p:transition xmlns:p14="http://schemas.microsoft.com/office/powerpoint/2010/main" spd="slow" p14:dur="2000">
         <p159:morph option="byObject"/>
       </p:transition>
     </mc:Choice>
-    <mc:Fallback>
+    <mc:Fallback xmlns="">
       <p:transition spd="slow">
         <p:fade/>
       </p:transition>
@@ -8912,13 +8943,13 @@
   <p:clrMapOvr>
     <a:masterClrMapping/>
   </p:clrMapOvr>
-  <mc:AlternateContent xmlns:mc="http://schemas.openxmlformats.org/markup-compatibility/2006">
-    <mc:Choice xmlns:p159="http://schemas.microsoft.com/office/powerpoint/2015/09/main" Requires="p159">
+  <mc:AlternateContent xmlns:mc="http://schemas.openxmlformats.org/markup-compatibility/2006" xmlns:p159="http://schemas.microsoft.com/office/powerpoint/2015/09/main">
+    <mc:Choice Requires="p159">
       <p:transition xmlns:p14="http://schemas.microsoft.com/office/powerpoint/2010/main" spd="slow" p14:dur="2000">
         <p159:morph option="byObject"/>
       </p:transition>
     </mc:Choice>
-    <mc:Fallback>
+    <mc:Fallback xmlns="">
       <p:transition spd="slow">
         <p:fade/>
       </p:transition>
@@ -9401,13 +9432,13 @@
   <p:clrMapOvr>
     <a:masterClrMapping/>
   </p:clrMapOvr>
-  <mc:AlternateContent xmlns:mc="http://schemas.openxmlformats.org/markup-compatibility/2006">
-    <mc:Choice xmlns:p159="http://schemas.microsoft.com/office/powerpoint/2015/09/main" Requires="p159">
+  <mc:AlternateContent xmlns:mc="http://schemas.openxmlformats.org/markup-compatibility/2006" xmlns:p159="http://schemas.microsoft.com/office/powerpoint/2015/09/main">
+    <mc:Choice Requires="p159">
       <p:transition xmlns:p14="http://schemas.microsoft.com/office/powerpoint/2010/main" spd="slow" p14:dur="2000">
         <p159:morph option="byObject"/>
       </p:transition>
     </mc:Choice>
-    <mc:Fallback>
+    <mc:Fallback xmlns="">
       <p:transition spd="slow">
         <p:fade/>
       </p:transition>
@@ -9890,13 +9921,13 @@
   <p:clrMapOvr>
     <a:masterClrMapping/>
   </p:clrMapOvr>
-  <mc:AlternateContent xmlns:mc="http://schemas.openxmlformats.org/markup-compatibility/2006">
-    <mc:Choice xmlns:p159="http://schemas.microsoft.com/office/powerpoint/2015/09/main" Requires="p159">
+  <mc:AlternateContent xmlns:mc="http://schemas.openxmlformats.org/markup-compatibility/2006" xmlns:p159="http://schemas.microsoft.com/office/powerpoint/2015/09/main">
+    <mc:Choice Requires="p159">
       <p:transition xmlns:p14="http://schemas.microsoft.com/office/powerpoint/2010/main" spd="slow" p14:dur="2000">
         <p159:morph option="byObject"/>
       </p:transition>
     </mc:Choice>
-    <mc:Fallback>
+    <mc:Fallback xmlns="">
       <p:transition spd="slow">
         <p:fade/>
       </p:transition>
